--- a/test.pptx
+++ b/test.pptx
@@ -6,6 +6,7 @@
   </p:sldMasterIdLst>
   <p:sldIdLst>
     <p:sldId id="256" r:id="rId2"/>
+    <p:sldId id="257" r:id="rId3"/>
   </p:sldIdLst>
   <p:sldSz cx="12192000" cy="6858000"/>
   <p:notesSz cx="6858000" cy="9144000"/>
@@ -104,6 +105,11 @@
       </a:defRPr>
     </a:lvl9pPr>
   </p:defaultTextStyle>
+  <p:extLst>
+    <p:ext uri="{EFAFB233-063F-42B5-8137-9DF3F51BA10A}">
+      <p15:sldGuideLst xmlns:p15="http://schemas.microsoft.com/office/powerpoint/2012/main"/>
+    </p:ext>
+  </p:extLst>
 </p:presentation>
 </file>
 
@@ -256,7 +262,7 @@
           <a:p>
             <a:fld id="{B983E164-91AE-4612-B186-AD3854CFBA7B}" type="datetimeFigureOut">
               <a:rPr lang="nl-NL" smtClean="0"/>
-              <a:t>27-1-2024</a:t>
+              <a:t>31-1-2024</a:t>
             </a:fld>
             <a:endParaRPr lang="nl-NL"/>
           </a:p>
@@ -456,7 +462,7 @@
           <a:p>
             <a:fld id="{B983E164-91AE-4612-B186-AD3854CFBA7B}" type="datetimeFigureOut">
               <a:rPr lang="nl-NL" smtClean="0"/>
-              <a:t>27-1-2024</a:t>
+              <a:t>31-1-2024</a:t>
             </a:fld>
             <a:endParaRPr lang="nl-NL"/>
           </a:p>
@@ -666,7 +672,7 @@
           <a:p>
             <a:fld id="{B983E164-91AE-4612-B186-AD3854CFBA7B}" type="datetimeFigureOut">
               <a:rPr lang="nl-NL" smtClean="0"/>
-              <a:t>27-1-2024</a:t>
+              <a:t>31-1-2024</a:t>
             </a:fld>
             <a:endParaRPr lang="nl-NL"/>
           </a:p>
@@ -866,7 +872,7 @@
           <a:p>
             <a:fld id="{B983E164-91AE-4612-B186-AD3854CFBA7B}" type="datetimeFigureOut">
               <a:rPr lang="nl-NL" smtClean="0"/>
-              <a:t>27-1-2024</a:t>
+              <a:t>31-1-2024</a:t>
             </a:fld>
             <a:endParaRPr lang="nl-NL"/>
           </a:p>
@@ -1142,7 +1148,7 @@
           <a:p>
             <a:fld id="{B983E164-91AE-4612-B186-AD3854CFBA7B}" type="datetimeFigureOut">
               <a:rPr lang="nl-NL" smtClean="0"/>
-              <a:t>27-1-2024</a:t>
+              <a:t>31-1-2024</a:t>
             </a:fld>
             <a:endParaRPr lang="nl-NL"/>
           </a:p>
@@ -1410,7 +1416,7 @@
           <a:p>
             <a:fld id="{B983E164-91AE-4612-B186-AD3854CFBA7B}" type="datetimeFigureOut">
               <a:rPr lang="nl-NL" smtClean="0"/>
-              <a:t>27-1-2024</a:t>
+              <a:t>31-1-2024</a:t>
             </a:fld>
             <a:endParaRPr lang="nl-NL"/>
           </a:p>
@@ -1825,7 +1831,7 @@
           <a:p>
             <a:fld id="{B983E164-91AE-4612-B186-AD3854CFBA7B}" type="datetimeFigureOut">
               <a:rPr lang="nl-NL" smtClean="0"/>
-              <a:t>27-1-2024</a:t>
+              <a:t>31-1-2024</a:t>
             </a:fld>
             <a:endParaRPr lang="nl-NL"/>
           </a:p>
@@ -1967,7 +1973,7 @@
           <a:p>
             <a:fld id="{B983E164-91AE-4612-B186-AD3854CFBA7B}" type="datetimeFigureOut">
               <a:rPr lang="nl-NL" smtClean="0"/>
-              <a:t>27-1-2024</a:t>
+              <a:t>31-1-2024</a:t>
             </a:fld>
             <a:endParaRPr lang="nl-NL"/>
           </a:p>
@@ -2080,7 +2086,7 @@
           <a:p>
             <a:fld id="{B983E164-91AE-4612-B186-AD3854CFBA7B}" type="datetimeFigureOut">
               <a:rPr lang="nl-NL" smtClean="0"/>
-              <a:t>27-1-2024</a:t>
+              <a:t>31-1-2024</a:t>
             </a:fld>
             <a:endParaRPr lang="nl-NL"/>
           </a:p>
@@ -2393,7 +2399,7 @@
           <a:p>
             <a:fld id="{B983E164-91AE-4612-B186-AD3854CFBA7B}" type="datetimeFigureOut">
               <a:rPr lang="nl-NL" smtClean="0"/>
-              <a:t>27-1-2024</a:t>
+              <a:t>31-1-2024</a:t>
             </a:fld>
             <a:endParaRPr lang="nl-NL"/>
           </a:p>
@@ -2682,7 +2688,7 @@
           <a:p>
             <a:fld id="{B983E164-91AE-4612-B186-AD3854CFBA7B}" type="datetimeFigureOut">
               <a:rPr lang="nl-NL" smtClean="0"/>
-              <a:t>27-1-2024</a:t>
+              <a:t>31-1-2024</a:t>
             </a:fld>
             <a:endParaRPr lang="nl-NL"/>
           </a:p>
@@ -2925,7 +2931,7 @@
           <a:p>
             <a:fld id="{B983E164-91AE-4612-B186-AD3854CFBA7B}" type="datetimeFigureOut">
               <a:rPr lang="nl-NL" smtClean="0"/>
-              <a:t>27-1-2024</a:t>
+              <a:t>31-1-2024</a:t>
             </a:fld>
             <a:endParaRPr lang="nl-NL"/>
           </a:p>
@@ -3465,6 +3471,146 @@
 </p:sld>
 </file>
 
+<file path=ppt/slides/slide2.xml><?xml version="1.0" encoding="utf-8"?>
+<p:sld xmlns:a="http://schemas.openxmlformats.org/drawingml/2006/main" xmlns:r="http://schemas.openxmlformats.org/officeDocument/2006/relationships" xmlns:p="http://schemas.openxmlformats.org/presentationml/2006/main">
+  <p:cSld>
+    <p:spTree>
+      <p:nvGrpSpPr>
+        <p:cNvPr id="1" name=""/>
+        <p:cNvGrpSpPr/>
+        <p:nvPr/>
+      </p:nvGrpSpPr>
+      <p:grpSpPr>
+        <a:xfrm>
+          <a:off x="0" y="0"/>
+          <a:ext cx="0" cy="0"/>
+          <a:chOff x="0" y="0"/>
+          <a:chExt cx="0" cy="0"/>
+        </a:xfrm>
+      </p:grpSpPr>
+      <p:sp>
+        <p:nvSpPr>
+          <p:cNvPr id="2" name="Title 1">
+            <a:extLst>
+              <a:ext uri="{FF2B5EF4-FFF2-40B4-BE49-F238E27FC236}">
+                <a16:creationId xmlns:a16="http://schemas.microsoft.com/office/drawing/2014/main" id="{57134BBA-9AA8-CF3B-6645-9FAF543F5778}"/>
+              </a:ext>
+            </a:extLst>
+          </p:cNvPr>
+          <p:cNvSpPr>
+            <a:spLocks noGrp="1"/>
+          </p:cNvSpPr>
+          <p:nvPr>
+            <p:ph type="ctrTitle"/>
+          </p:nvPr>
+        </p:nvSpPr>
+        <p:spPr/>
+        <p:txBody>
+          <a:bodyPr/>
+          <a:lstStyle/>
+          <a:p>
+            <a:endParaRPr lang="nl-NL"/>
+          </a:p>
+        </p:txBody>
+      </p:sp>
+      <p:sp>
+        <p:nvSpPr>
+          <p:cNvPr id="3" name="Subtitle 2">
+            <a:extLst>
+              <a:ext uri="{FF2B5EF4-FFF2-40B4-BE49-F238E27FC236}">
+                <a16:creationId xmlns:a16="http://schemas.microsoft.com/office/drawing/2014/main" id="{E92FA95A-1E73-8FF9-AA68-FE094388DD65}"/>
+              </a:ext>
+            </a:extLst>
+          </p:cNvPr>
+          <p:cNvSpPr>
+            <a:spLocks noGrp="1"/>
+          </p:cNvSpPr>
+          <p:nvPr>
+            <p:ph type="subTitle" idx="1"/>
+          </p:nvPr>
+        </p:nvSpPr>
+        <p:spPr/>
+        <p:txBody>
+          <a:bodyPr/>
+          <a:lstStyle/>
+          <a:p>
+            <a:endParaRPr lang="nl-NL"/>
+          </a:p>
+        </p:txBody>
+      </p:sp>
+      <mc:AlternateContent xmlns:mc="http://schemas.openxmlformats.org/markup-compatibility/2006">
+        <mc:Choice xmlns:we="http://schemas.microsoft.com/office/webextensions/webextension/2010/11" xmlns:pca="http://schemas.microsoft.com/office/powerpoint/2013/contentapp" Requires="we pca">
+          <p:graphicFrame>
+            <p:nvGraphicFramePr>
+              <p:cNvPr id="4" name="Add-in 3" title="Web Viewer">
+                <a:extLst>
+                  <a:ext uri="{FF2B5EF4-FFF2-40B4-BE49-F238E27FC236}">
+                    <a16:creationId xmlns:a16="http://schemas.microsoft.com/office/drawing/2014/main" id="{8A203EF1-9371-4A86-905A-1808A6739C41}"/>
+                  </a:ext>
+                </a:extLst>
+              </p:cNvPr>
+              <p:cNvGraphicFramePr>
+                <a:graphicFrameLocks noGrp="1"/>
+              </p:cNvGraphicFramePr>
+              <p:nvPr/>
+            </p:nvGraphicFramePr>
+            <p:xfrm>
+              <a:off x="1524000" y="857249"/>
+              <a:ext cx="9144000" cy="5143500"/>
+            </p:xfrm>
+            <a:graphic>
+              <a:graphicData uri="http://schemas.microsoft.com/office/webextensions/webextension/2010/11">
+                <we:webextensionref xmlns:we="http://schemas.microsoft.com/office/webextensions/webextension/2010/11" xmlns:r="http://schemas.openxmlformats.org/officeDocument/2006/relationships" r:id="rId2"/>
+              </a:graphicData>
+            </a:graphic>
+          </p:graphicFrame>
+        </mc:Choice>
+        <mc:Fallback>
+          <p:pic>
+            <p:nvPicPr>
+              <p:cNvPr id="4" name="Add-in 3" title="Web Viewer">
+                <a:extLst>
+                  <a:ext uri="{FF2B5EF4-FFF2-40B4-BE49-F238E27FC236}">
+                    <a16:creationId xmlns:a16="http://schemas.microsoft.com/office/drawing/2014/main" id="{8A203EF1-9371-4A86-905A-1808A6739C41}"/>
+                  </a:ext>
+                </a:extLst>
+              </p:cNvPr>
+              <p:cNvPicPr>
+                <a:picLocks noGrp="1" noRot="1" noChangeAspect="1" noMove="1" noResize="1" noEditPoints="1" noAdjustHandles="1" noChangeArrowheads="1" noChangeShapeType="1"/>
+              </p:cNvPicPr>
+              <p:nvPr/>
+            </p:nvPicPr>
+            <p:blipFill>
+              <a:blip r:embed="rId3"/>
+              <a:stretch>
+                <a:fillRect/>
+              </a:stretch>
+            </p:blipFill>
+            <p:spPr>
+              <a:xfrm>
+                <a:off x="1524000" y="857249"/>
+                <a:ext cx="9144000" cy="5143500"/>
+              </a:xfrm>
+              <a:prstGeom prst="rect">
+                <a:avLst/>
+              </a:prstGeom>
+            </p:spPr>
+          </p:pic>
+        </mc:Fallback>
+      </mc:AlternateContent>
+    </p:spTree>
+    <p:extLst>
+      <p:ext uri="{BB962C8B-B14F-4D97-AF65-F5344CB8AC3E}">
+        <p14:creationId xmlns:p14="http://schemas.microsoft.com/office/powerpoint/2010/main" val="4052583126"/>
+      </p:ext>
+    </p:extLst>
+  </p:cSld>
+  <p:clrMapOvr>
+    <a:masterClrMapping/>
+  </p:clrMapOvr>
+</p:sld>
+</file>
+
 <file path=ppt/theme/theme1.xml><?xml version="1.0" encoding="utf-8"?>
 <a:theme xmlns:a="http://schemas.openxmlformats.org/drawingml/2006/main" name="Office Theme">
   <a:themeElements>
@@ -3772,4 +3918,18 @@
   <we:bindings/>
   <we:snapshot xmlns:r="http://schemas.openxmlformats.org/officeDocument/2006/relationships" r:embed="rId1"/>
 </we:webextension>
+</file>
+
+<file path=ppt/webextensions/webextension2.xml><?xml version="1.0" encoding="utf-8"?>
+<we:webextension xmlns:we="http://schemas.microsoft.com/office/webextensions/webextension/2010/11" id="{595D7480-4CEE-4F90-8EDA-07F15E0D86AB}">
+  <we:reference id="wa104295828" version="1.9.0.0" store="en-US" storeType="OMEX"/>
+  <we:alternateReferences>
+    <we:reference id="WA104295828" version="1.9.0.0" store="WA104295828" storeType="OMEX"/>
+  </we:alternateReferences>
+  <we:properties>
+    <we:property name="__labs__" value="{&quot;configuration&quot;:{&quot;appVersion&quot;:{&quot;major&quot;:1,&quot;minor&quot;:0},&quot;components&quot;:[{&quot;type&quot;:&quot;Labs.Components.ActivityComponent&quot;,&quot;name&quot;:&quot;127.0.0.1:8000/html_examples/top_bottom_bed.html&quot;,&quot;values&quot;:{},&quot;data&quot;:{&quot;uri&quot;:&quot;127.0.0.1:8000/html_examples/top_bottom_bed.html&quot;},&quot;secure&quot;:false}],&quot;name&quot;:&quot;127.0.0.1:8000/html_examples/top_bottom_bed.html&quot;,&quot;timeline&quot;:null,&quot;analytics&quot;:null},&quot;hostVersion&quot;:{&quot;major&quot;:0,&quot;minor&quot;:1}}"/>
+  </we:properties>
+  <we:bindings/>
+  <we:snapshot xmlns:r="http://schemas.openxmlformats.org/officeDocument/2006/relationships" r:embed="rId1"/>
+</we:webextension>
 </file>